--- a/alix_du_plessis/Module/SYE_Poster_duPlessis.V2.pptx
+++ b/alix_du_plessis/Module/SYE_Poster_duPlessis.V2.pptx
@@ -129,6 +129,83 @@
 </p188:authorLst>
 </file>
 
+<file path=ppt/changesInfos/changesInfo1.xml><?xml version="1.0" encoding="utf-8"?>
+<pc:chgInfo xmlns:a="http://schemas.openxmlformats.org/drawingml/2006/main" xmlns:r="http://schemas.openxmlformats.org/officeDocument/2006/relationships" xmlns:ac="http://schemas.microsoft.com/office/drawing/2013/main/command" xmlns:pc="http://schemas.microsoft.com/office/powerpoint/2013/main/command">
+  <pc:docChgLst>
+    <pc:chgData name="Alix du Plessis" userId="53c88671-0233-4e48-978d-27abbca90e0f" providerId="ADAL" clId="{1DC70361-B3E7-4A07-B4B2-20918157226E}"/>
+    <pc:docChg chg="modSld">
+      <pc:chgData name="Alix du Plessis" userId="53c88671-0233-4e48-978d-27abbca90e0f" providerId="ADAL" clId="{1DC70361-B3E7-4A07-B4B2-20918157226E}" dt="2025-04-15T13:47:38.057" v="1" actId="403"/>
+      <pc:docMkLst>
+        <pc:docMk/>
+      </pc:docMkLst>
+      <pc:sldChg chg="modSp mod">
+        <pc:chgData name="Alix du Plessis" userId="53c88671-0233-4e48-978d-27abbca90e0f" providerId="ADAL" clId="{1DC70361-B3E7-4A07-B4B2-20918157226E}" dt="2025-04-15T13:47:38.057" v="1" actId="403"/>
+        <pc:sldMkLst>
+          <pc:docMk/>
+          <pc:sldMk cId="3774079583" sldId="256"/>
+        </pc:sldMkLst>
+        <pc:spChg chg="mod">
+          <ac:chgData name="Alix du Plessis" userId="53c88671-0233-4e48-978d-27abbca90e0f" providerId="ADAL" clId="{1DC70361-B3E7-4A07-B4B2-20918157226E}" dt="2025-04-15T13:47:38.057" v="1" actId="403"/>
+          <ac:spMkLst>
+            <pc:docMk/>
+            <pc:sldMk cId="3774079583" sldId="256"/>
+            <ac:spMk id="44" creationId="{86BC9D47-6652-9A8C-08F3-657E821FD905}"/>
+          </ac:spMkLst>
+        </pc:spChg>
+        <pc:spChg chg="mod">
+          <ac:chgData name="Alix du Plessis" userId="53c88671-0233-4e48-978d-27abbca90e0f" providerId="ADAL" clId="{1DC70361-B3E7-4A07-B4B2-20918157226E}" dt="2025-04-15T13:47:38.057" v="1" actId="403"/>
+          <ac:spMkLst>
+            <pc:docMk/>
+            <pc:sldMk cId="3774079583" sldId="256"/>
+            <ac:spMk id="48" creationId="{8A1C0199-C088-B65F-084D-6C276984CB84}"/>
+          </ac:spMkLst>
+        </pc:spChg>
+        <pc:spChg chg="mod">
+          <ac:chgData name="Alix du Plessis" userId="53c88671-0233-4e48-978d-27abbca90e0f" providerId="ADAL" clId="{1DC70361-B3E7-4A07-B4B2-20918157226E}" dt="2025-04-15T13:47:38.057" v="1" actId="403"/>
+          <ac:spMkLst>
+            <pc:docMk/>
+            <pc:sldMk cId="3774079583" sldId="256"/>
+            <ac:spMk id="49" creationId="{A80CEA3B-DB2C-212E-0F1F-7179342F25A7}"/>
+          </ac:spMkLst>
+        </pc:spChg>
+        <pc:spChg chg="mod">
+          <ac:chgData name="Alix du Plessis" userId="53c88671-0233-4e48-978d-27abbca90e0f" providerId="ADAL" clId="{1DC70361-B3E7-4A07-B4B2-20918157226E}" dt="2025-04-15T13:47:38.057" v="1" actId="403"/>
+          <ac:spMkLst>
+            <pc:docMk/>
+            <pc:sldMk cId="3774079583" sldId="256"/>
+            <ac:spMk id="57" creationId="{5BA21B26-74B6-8E49-CB4F-2897D848CFD4}"/>
+          </ac:spMkLst>
+        </pc:spChg>
+        <pc:spChg chg="mod">
+          <ac:chgData name="Alix du Plessis" userId="53c88671-0233-4e48-978d-27abbca90e0f" providerId="ADAL" clId="{1DC70361-B3E7-4A07-B4B2-20918157226E}" dt="2025-04-15T13:47:38.057" v="1" actId="403"/>
+          <ac:spMkLst>
+            <pc:docMk/>
+            <pc:sldMk cId="3774079583" sldId="256"/>
+            <ac:spMk id="60" creationId="{614FA926-12DB-B9DE-56FF-330BB957AD0E}"/>
+          </ac:spMkLst>
+        </pc:spChg>
+        <pc:spChg chg="mod">
+          <ac:chgData name="Alix du Plessis" userId="53c88671-0233-4e48-978d-27abbca90e0f" providerId="ADAL" clId="{1DC70361-B3E7-4A07-B4B2-20918157226E}" dt="2025-04-15T13:47:38.057" v="1" actId="403"/>
+          <ac:spMkLst>
+            <pc:docMk/>
+            <pc:sldMk cId="3774079583" sldId="256"/>
+            <ac:spMk id="63" creationId="{AAF913CB-4A40-C039-5695-1AA523B864DD}"/>
+          </ac:spMkLst>
+        </pc:spChg>
+        <pc:spChg chg="mod">
+          <ac:chgData name="Alix du Plessis" userId="53c88671-0233-4e48-978d-27abbca90e0f" providerId="ADAL" clId="{1DC70361-B3E7-4A07-B4B2-20918157226E}" dt="2025-04-15T13:47:38.057" v="1" actId="403"/>
+          <ac:spMkLst>
+            <pc:docMk/>
+            <pc:sldMk cId="3774079583" sldId="256"/>
+            <ac:spMk id="66" creationId="{EFE0DCBB-AFE9-1C04-E41F-C0D9FF32B2B8}"/>
+          </ac:spMkLst>
+        </pc:spChg>
+      </pc:sldChg>
+    </pc:docChg>
+  </pc:docChgLst>
+</pc:chgInfo>
+</file>
+
 <file path=ppt/slideLayouts/slideLayout1.xml><?xml version="1.0" encoding="utf-8"?>
 <p:sldLayout xmlns:a="http://schemas.openxmlformats.org/drawingml/2006/main" xmlns:r="http://schemas.openxmlformats.org/officeDocument/2006/relationships" xmlns:p="http://schemas.openxmlformats.org/presentationml/2006/main" type="title" preserve="1">
   <p:cSld name="Title Slide">
@@ -260,7 +337,7 @@
           <a:p>
             <a:fld id="{2DC29746-1088-C241-BC8C-4CC03DF23E15}" type="datetimeFigureOut">
               <a:rPr lang="en-US" smtClean="0"/>
-              <a:t>4/14/2025</a:t>
+              <a:t>4/15/2025</a:t>
             </a:fld>
             <a:endParaRPr lang="en-US" dirty="0"/>
           </a:p>
@@ -430,7 +507,7 @@
           <a:p>
             <a:fld id="{2DC29746-1088-C241-BC8C-4CC03DF23E15}" type="datetimeFigureOut">
               <a:rPr lang="en-US" smtClean="0"/>
-              <a:t>4/14/2025</a:t>
+              <a:t>4/15/2025</a:t>
             </a:fld>
             <a:endParaRPr lang="en-US" dirty="0"/>
           </a:p>
@@ -610,7 +687,7 @@
           <a:p>
             <a:fld id="{2DC29746-1088-C241-BC8C-4CC03DF23E15}" type="datetimeFigureOut">
               <a:rPr lang="en-US" smtClean="0"/>
-              <a:t>4/14/2025</a:t>
+              <a:t>4/15/2025</a:t>
             </a:fld>
             <a:endParaRPr lang="en-US" dirty="0"/>
           </a:p>
@@ -780,7 +857,7 @@
           <a:p>
             <a:fld id="{2DC29746-1088-C241-BC8C-4CC03DF23E15}" type="datetimeFigureOut">
               <a:rPr lang="en-US" smtClean="0"/>
-              <a:t>4/14/2025</a:t>
+              <a:t>4/15/2025</a:t>
             </a:fld>
             <a:endParaRPr lang="en-US" dirty="0"/>
           </a:p>
@@ -1024,7 +1101,7 @@
           <a:p>
             <a:fld id="{2DC29746-1088-C241-BC8C-4CC03DF23E15}" type="datetimeFigureOut">
               <a:rPr lang="en-US" smtClean="0"/>
-              <a:t>4/14/2025</a:t>
+              <a:t>4/15/2025</a:t>
             </a:fld>
             <a:endParaRPr lang="en-US" dirty="0"/>
           </a:p>
@@ -1256,7 +1333,7 @@
           <a:p>
             <a:fld id="{2DC29746-1088-C241-BC8C-4CC03DF23E15}" type="datetimeFigureOut">
               <a:rPr lang="en-US" smtClean="0"/>
-              <a:t>4/14/2025</a:t>
+              <a:t>4/15/2025</a:t>
             </a:fld>
             <a:endParaRPr lang="en-US" dirty="0"/>
           </a:p>
@@ -1623,7 +1700,7 @@
           <a:p>
             <a:fld id="{2DC29746-1088-C241-BC8C-4CC03DF23E15}" type="datetimeFigureOut">
               <a:rPr lang="en-US" smtClean="0"/>
-              <a:t>4/14/2025</a:t>
+              <a:t>4/15/2025</a:t>
             </a:fld>
             <a:endParaRPr lang="en-US" dirty="0"/>
           </a:p>
@@ -1741,7 +1818,7 @@
           <a:p>
             <a:fld id="{2DC29746-1088-C241-BC8C-4CC03DF23E15}" type="datetimeFigureOut">
               <a:rPr lang="en-US" smtClean="0"/>
-              <a:t>4/14/2025</a:t>
+              <a:t>4/15/2025</a:t>
             </a:fld>
             <a:endParaRPr lang="en-US" dirty="0"/>
           </a:p>
@@ -1836,7 +1913,7 @@
           <a:p>
             <a:fld id="{2DC29746-1088-C241-BC8C-4CC03DF23E15}" type="datetimeFigureOut">
               <a:rPr lang="en-US" smtClean="0"/>
-              <a:t>4/14/2025</a:t>
+              <a:t>4/15/2025</a:t>
             </a:fld>
             <a:endParaRPr lang="en-US" dirty="0"/>
           </a:p>
@@ -2113,7 +2190,7 @@
           <a:p>
             <a:fld id="{2DC29746-1088-C241-BC8C-4CC03DF23E15}" type="datetimeFigureOut">
               <a:rPr lang="en-US" smtClean="0"/>
-              <a:t>4/14/2025</a:t>
+              <a:t>4/15/2025</a:t>
             </a:fld>
             <a:endParaRPr lang="en-US" dirty="0"/>
           </a:p>
@@ -2369,7 +2446,7 @@
           <a:p>
             <a:fld id="{2DC29746-1088-C241-BC8C-4CC03DF23E15}" type="datetimeFigureOut">
               <a:rPr lang="en-US" smtClean="0"/>
-              <a:t>4/14/2025</a:t>
+              <a:t>4/15/2025</a:t>
             </a:fld>
             <a:endParaRPr lang="en-US" dirty="0"/>
           </a:p>
@@ -2582,7 +2659,7 @@
           <a:p>
             <a:fld id="{2DC29746-1088-C241-BC8C-4CC03DF23E15}" type="datetimeFigureOut">
               <a:rPr lang="en-US" smtClean="0"/>
-              <a:t>4/14/2025</a:t>
+              <a:t>4/15/2025</a:t>
             </a:fld>
             <a:endParaRPr lang="en-US" dirty="0"/>
           </a:p>
@@ -3886,7 +3963,7 @@
         <p:spPr>
           <a:xfrm>
             <a:off x="23089690" y="7817340"/>
-            <a:ext cx="5427068" cy="2308324"/>
+            <a:ext cx="5427068" cy="2800767"/>
           </a:xfrm>
           <a:prstGeom prst="rect">
             <a:avLst/>
@@ -3908,7 +3985,7 @@
               <a:buChar char="•"/>
             </a:pPr>
             <a:r>
-              <a:rPr lang="en-US" sz="3600" dirty="0">
+              <a:rPr lang="en-US" sz="4400" dirty="0">
                 <a:solidFill>
                   <a:schemeClr val="bg1">
                     <a:lumMod val="95000"/>
@@ -3936,7 +4013,7 @@
         <p:spPr>
           <a:xfrm>
             <a:off x="22988360" y="11307378"/>
-            <a:ext cx="5427068" cy="1754326"/>
+            <a:ext cx="5427068" cy="2800767"/>
           </a:xfrm>
           <a:prstGeom prst="rect">
             <a:avLst/>
@@ -3958,7 +4035,7 @@
               <a:buChar char="•"/>
             </a:pPr>
             <a:r>
-              <a:rPr lang="en-US" sz="3600" dirty="0">
+              <a:rPr lang="en-US" sz="4400" dirty="0">
                 <a:solidFill>
                   <a:schemeClr val="bg1">
                     <a:lumMod val="95000"/>
@@ -3986,7 +4063,7 @@
         <p:spPr>
           <a:xfrm>
             <a:off x="22988360" y="14713132"/>
-            <a:ext cx="5427068" cy="1754326"/>
+            <a:ext cx="5427068" cy="2800767"/>
           </a:xfrm>
           <a:prstGeom prst="rect">
             <a:avLst/>
@@ -4008,7 +4085,7 @@
               <a:buChar char="•"/>
             </a:pPr>
             <a:r>
-              <a:rPr lang="en-US" sz="3600" dirty="0">
+              <a:rPr lang="en-US" sz="4400" dirty="0">
                 <a:solidFill>
                   <a:schemeClr val="bg1">
                     <a:lumMod val="95000"/>
@@ -4153,7 +4230,7 @@
         <p:spPr>
           <a:xfrm>
             <a:off x="23011317" y="18604941"/>
-            <a:ext cx="5427068" cy="1754326"/>
+            <a:ext cx="5427068" cy="2800767"/>
           </a:xfrm>
           <a:prstGeom prst="rect">
             <a:avLst/>
@@ -4175,7 +4252,7 @@
               <a:buChar char="•"/>
             </a:pPr>
             <a:r>
-              <a:rPr lang="en-US" sz="3600" dirty="0">
+              <a:rPr lang="en-US" sz="4400" dirty="0">
                 <a:solidFill>
                   <a:schemeClr val="bg1">
                     <a:lumMod val="95000"/>
@@ -4233,7 +4310,7 @@
         <p:spPr>
           <a:xfrm>
             <a:off x="23100361" y="22130095"/>
-            <a:ext cx="5427068" cy="2308324"/>
+            <a:ext cx="5427068" cy="3477875"/>
           </a:xfrm>
           <a:prstGeom prst="rect">
             <a:avLst/>
@@ -4255,7 +4332,7 @@
               <a:buChar char="•"/>
             </a:pPr>
             <a:r>
-              <a:rPr lang="en-US" sz="3600" dirty="0">
+              <a:rPr lang="en-US" sz="4400" dirty="0">
                 <a:solidFill>
                   <a:schemeClr val="bg1">
                     <a:lumMod val="95000"/>
@@ -4313,7 +4390,7 @@
         <p:spPr>
           <a:xfrm>
             <a:off x="23024161" y="25903732"/>
-            <a:ext cx="5427068" cy="1200329"/>
+            <a:ext cx="5427068" cy="2123658"/>
           </a:xfrm>
           <a:prstGeom prst="rect">
             <a:avLst/>
@@ -4335,7 +4412,7 @@
               <a:buChar char="•"/>
             </a:pPr>
             <a:r>
-              <a:rPr lang="en-US" sz="3600" dirty="0">
+              <a:rPr lang="en-US" sz="4400" dirty="0">
                 <a:solidFill>
                   <a:schemeClr val="bg1">
                     <a:lumMod val="95000"/>
@@ -4393,7 +4470,7 @@
         <p:spPr>
           <a:xfrm>
             <a:off x="23099629" y="29713737"/>
-            <a:ext cx="5427068" cy="1754326"/>
+            <a:ext cx="5427068" cy="2123658"/>
           </a:xfrm>
           <a:prstGeom prst="rect">
             <a:avLst/>
@@ -4415,7 +4492,7 @@
               <a:buChar char="•"/>
             </a:pPr>
             <a:r>
-              <a:rPr lang="en-US" sz="3600" dirty="0">
+              <a:rPr lang="en-US" sz="4400" dirty="0">
                 <a:solidFill>
                   <a:schemeClr val="bg1">
                     <a:lumMod val="95000"/>
